--- a/CCNA_LAB.pptx
+++ b/CCNA_LAB.pptx
@@ -4,6 +4,9 @@
   <p:sldMasterIdLst>
     <p:sldMasterId id="2147483648" r:id="rId1"/>
   </p:sldMasterIdLst>
+  <p:notesMasterIdLst>
+    <p:notesMasterId r:id="rId42"/>
+  </p:notesMasterIdLst>
   <p:sldIdLst>
     <p:sldId id="256" r:id="rId2"/>
     <p:sldId id="257" r:id="rId3"/>
@@ -42,9 +45,9 @@
     <p:sldId id="297" r:id="rId36"/>
     <p:sldId id="298" r:id="rId37"/>
     <p:sldId id="299" r:id="rId38"/>
-    <p:sldId id="289" r:id="rId39"/>
-    <p:sldId id="292" r:id="rId40"/>
-    <p:sldId id="293" r:id="rId41"/>
+    <p:sldId id="292" r:id="rId39"/>
+    <p:sldId id="293" r:id="rId40"/>
+    <p:sldId id="289" r:id="rId41"/>
   </p:sldIdLst>
   <p:sldSz cx="12192000" cy="6858000"/>
   <p:notesSz cx="6858000" cy="9144000"/>
@@ -153,6 +156,461 @@
 
 <file path=ppt/activeX/activeX1.xml><?xml version="1.0" encoding="utf-8"?>
 <ax:ocx xmlns:ax="http://schemas.microsoft.com/office/2006/activeX" xmlns:r="http://schemas.openxmlformats.org/officeDocument/2006/relationships" ax:classid="{5512D118-5CC6-11CF-8D67-00AA00BDCE1D}" ax:persistence="persistStream" r:id="rId1"/>
+</file>
+
+<file path=ppt/notesMasters/notesMaster1.xml><?xml version="1.0" encoding="utf-8"?>
+<p:notesMaster xmlns:a="http://schemas.openxmlformats.org/drawingml/2006/main" xmlns:r="http://schemas.openxmlformats.org/officeDocument/2006/relationships" xmlns:p="http://schemas.openxmlformats.org/presentationml/2006/main">
+  <p:cSld>
+    <p:bg>
+      <p:bgRef idx="1001">
+        <a:schemeClr val="bg1"/>
+      </p:bgRef>
+    </p:bg>
+    <p:spTree>
+      <p:nvGrpSpPr>
+        <p:cNvPr id="1" name=""/>
+        <p:cNvGrpSpPr/>
+        <p:nvPr/>
+      </p:nvGrpSpPr>
+      <p:grpSpPr>
+        <a:xfrm>
+          <a:off x="0" y="0"/>
+          <a:ext cx="0" cy="0"/>
+          <a:chOff x="0" y="0"/>
+          <a:chExt cx="0" cy="0"/>
+        </a:xfrm>
+      </p:grpSpPr>
+      <p:sp>
+        <p:nvSpPr>
+          <p:cNvPr id="2" name="Header Placeholder 1"/>
+          <p:cNvSpPr>
+            <a:spLocks noGrp="1"/>
+          </p:cNvSpPr>
+          <p:nvPr>
+            <p:ph type="hdr" sz="quarter"/>
+          </p:nvPr>
+        </p:nvSpPr>
+        <p:spPr>
+          <a:xfrm>
+            <a:off x="0" y="0"/>
+            <a:ext cx="2971800" cy="458788"/>
+          </a:xfrm>
+          <a:prstGeom prst="rect">
+            <a:avLst/>
+          </a:prstGeom>
+        </p:spPr>
+        <p:txBody>
+          <a:bodyPr vert="horz" lIns="91440" tIns="45720" rIns="91440" bIns="45720" rtlCol="0"/>
+          <a:lstStyle>
+            <a:lvl1pPr algn="l">
+              <a:defRPr sz="1200"/>
+            </a:lvl1pPr>
+          </a:lstStyle>
+          <a:p>
+            <a:endParaRPr lang="en-US"/>
+          </a:p>
+        </p:txBody>
+      </p:sp>
+      <p:sp>
+        <p:nvSpPr>
+          <p:cNvPr id="3" name="Date Placeholder 2"/>
+          <p:cNvSpPr>
+            <a:spLocks noGrp="1"/>
+          </p:cNvSpPr>
+          <p:nvPr>
+            <p:ph type="dt" idx="1"/>
+          </p:nvPr>
+        </p:nvSpPr>
+        <p:spPr>
+          <a:xfrm>
+            <a:off x="3884613" y="0"/>
+            <a:ext cx="2971800" cy="458788"/>
+          </a:xfrm>
+          <a:prstGeom prst="rect">
+            <a:avLst/>
+          </a:prstGeom>
+        </p:spPr>
+        <p:txBody>
+          <a:bodyPr vert="horz" lIns="91440" tIns="45720" rIns="91440" bIns="45720" rtlCol="0"/>
+          <a:lstStyle>
+            <a:lvl1pPr algn="r">
+              <a:defRPr sz="1200"/>
+            </a:lvl1pPr>
+          </a:lstStyle>
+          <a:p>
+            <a:fld id="{65B0C43F-7F82-4606-B4F9-A07D2E3ED933}" type="datetimeFigureOut">
+              <a:rPr lang="en-US" smtClean="0"/>
+              <a:t>5/4/2020</a:t>
+            </a:fld>
+            <a:endParaRPr lang="en-US"/>
+          </a:p>
+        </p:txBody>
+      </p:sp>
+      <p:sp>
+        <p:nvSpPr>
+          <p:cNvPr id="4" name="Slide Image Placeholder 3"/>
+          <p:cNvSpPr>
+            <a:spLocks noGrp="1" noRot="1" noChangeAspect="1"/>
+          </p:cNvSpPr>
+          <p:nvPr>
+            <p:ph type="sldImg" idx="2"/>
+          </p:nvPr>
+        </p:nvSpPr>
+        <p:spPr>
+          <a:xfrm>
+            <a:off x="685800" y="1143000"/>
+            <a:ext cx="5486400" cy="3086100"/>
+          </a:xfrm>
+          <a:prstGeom prst="rect">
+            <a:avLst/>
+          </a:prstGeom>
+          <a:noFill/>
+          <a:ln w="12700">
+            <a:solidFill>
+              <a:prstClr val="black"/>
+            </a:solidFill>
+          </a:ln>
+        </p:spPr>
+        <p:txBody>
+          <a:bodyPr vert="horz" lIns="91440" tIns="45720" rIns="91440" bIns="45720" rtlCol="0" anchor="ctr"/>
+          <a:lstStyle/>
+          <a:p>
+            <a:endParaRPr lang="en-US"/>
+          </a:p>
+        </p:txBody>
+      </p:sp>
+      <p:sp>
+        <p:nvSpPr>
+          <p:cNvPr id="5" name="Notes Placeholder 4"/>
+          <p:cNvSpPr>
+            <a:spLocks noGrp="1"/>
+          </p:cNvSpPr>
+          <p:nvPr>
+            <p:ph type="body" sz="quarter" idx="3"/>
+          </p:nvPr>
+        </p:nvSpPr>
+        <p:spPr>
+          <a:xfrm>
+            <a:off x="685800" y="4400550"/>
+            <a:ext cx="5486400" cy="3600450"/>
+          </a:xfrm>
+          <a:prstGeom prst="rect">
+            <a:avLst/>
+          </a:prstGeom>
+        </p:spPr>
+        <p:txBody>
+          <a:bodyPr vert="horz" lIns="91440" tIns="45720" rIns="91440" bIns="45720" rtlCol="0"/>
+          <a:lstStyle/>
+          <a:p>
+            <a:pPr lvl="0"/>
+            <a:r>
+              <a:rPr lang="en-US" smtClean="0"/>
+              <a:t>Edit Master text styles</a:t>
+            </a:r>
+          </a:p>
+          <a:p>
+            <a:pPr lvl="1"/>
+            <a:r>
+              <a:rPr lang="en-US" smtClean="0"/>
+              <a:t>Second level</a:t>
+            </a:r>
+          </a:p>
+          <a:p>
+            <a:pPr lvl="2"/>
+            <a:r>
+              <a:rPr lang="en-US" smtClean="0"/>
+              <a:t>Third level</a:t>
+            </a:r>
+          </a:p>
+          <a:p>
+            <a:pPr lvl="3"/>
+            <a:r>
+              <a:rPr lang="en-US" smtClean="0"/>
+              <a:t>Fourth level</a:t>
+            </a:r>
+          </a:p>
+          <a:p>
+            <a:pPr lvl="4"/>
+            <a:r>
+              <a:rPr lang="en-US" smtClean="0"/>
+              <a:t>Fifth level</a:t>
+            </a:r>
+            <a:endParaRPr lang="en-US"/>
+          </a:p>
+        </p:txBody>
+      </p:sp>
+      <p:sp>
+        <p:nvSpPr>
+          <p:cNvPr id="6" name="Footer Placeholder 5"/>
+          <p:cNvSpPr>
+            <a:spLocks noGrp="1"/>
+          </p:cNvSpPr>
+          <p:nvPr>
+            <p:ph type="ftr" sz="quarter" idx="4"/>
+          </p:nvPr>
+        </p:nvSpPr>
+        <p:spPr>
+          <a:xfrm>
+            <a:off x="0" y="8685213"/>
+            <a:ext cx="2971800" cy="458787"/>
+          </a:xfrm>
+          <a:prstGeom prst="rect">
+            <a:avLst/>
+          </a:prstGeom>
+        </p:spPr>
+        <p:txBody>
+          <a:bodyPr vert="horz" lIns="91440" tIns="45720" rIns="91440" bIns="45720" rtlCol="0" anchor="b"/>
+          <a:lstStyle>
+            <a:lvl1pPr algn="l">
+              <a:defRPr sz="1200"/>
+            </a:lvl1pPr>
+          </a:lstStyle>
+          <a:p>
+            <a:endParaRPr lang="en-US"/>
+          </a:p>
+        </p:txBody>
+      </p:sp>
+      <p:sp>
+        <p:nvSpPr>
+          <p:cNvPr id="7" name="Slide Number Placeholder 6"/>
+          <p:cNvSpPr>
+            <a:spLocks noGrp="1"/>
+          </p:cNvSpPr>
+          <p:nvPr>
+            <p:ph type="sldNum" sz="quarter" idx="5"/>
+          </p:nvPr>
+        </p:nvSpPr>
+        <p:spPr>
+          <a:xfrm>
+            <a:off x="3884613" y="8685213"/>
+            <a:ext cx="2971800" cy="458787"/>
+          </a:xfrm>
+          <a:prstGeom prst="rect">
+            <a:avLst/>
+          </a:prstGeom>
+        </p:spPr>
+        <p:txBody>
+          <a:bodyPr vert="horz" lIns="91440" tIns="45720" rIns="91440" bIns="45720" rtlCol="0" anchor="b"/>
+          <a:lstStyle>
+            <a:lvl1pPr algn="r">
+              <a:defRPr sz="1200"/>
+            </a:lvl1pPr>
+          </a:lstStyle>
+          <a:p>
+            <a:fld id="{191833EC-696C-4C62-B4D3-31C4D0EFBDA0}" type="slidenum">
+              <a:rPr lang="en-US" smtClean="0"/>
+              <a:t>‹#›</a:t>
+            </a:fld>
+            <a:endParaRPr lang="en-US"/>
+          </a:p>
+        </p:txBody>
+      </p:sp>
+    </p:spTree>
+    <p:extLst>
+      <p:ext uri="{BB962C8B-B14F-4D97-AF65-F5344CB8AC3E}">
+        <p14:creationId xmlns:p14="http://schemas.microsoft.com/office/powerpoint/2010/main" val="3042401675"/>
+      </p:ext>
+    </p:extLst>
+  </p:cSld>
+  <p:clrMap bg1="lt1" tx1="dk1" bg2="lt2" tx2="dk2" accent1="accent1" accent2="accent2" accent3="accent3" accent4="accent4" accent5="accent5" accent6="accent6" hlink="hlink" folHlink="folHlink"/>
+  <p:notesStyle>
+    <a:lvl1pPr marL="0" algn="l" defTabSz="914400" rtl="0" eaLnBrk="1" latinLnBrk="0" hangingPunct="1">
+      <a:defRPr sz="1200" kern="1200">
+        <a:solidFill>
+          <a:schemeClr val="tx1"/>
+        </a:solidFill>
+        <a:latin typeface="+mn-lt"/>
+        <a:ea typeface="+mn-ea"/>
+        <a:cs typeface="+mn-cs"/>
+      </a:defRPr>
+    </a:lvl1pPr>
+    <a:lvl2pPr marL="457200" algn="l" defTabSz="914400" rtl="0" eaLnBrk="1" latinLnBrk="0" hangingPunct="1">
+      <a:defRPr sz="1200" kern="1200">
+        <a:solidFill>
+          <a:schemeClr val="tx1"/>
+        </a:solidFill>
+        <a:latin typeface="+mn-lt"/>
+        <a:ea typeface="+mn-ea"/>
+        <a:cs typeface="+mn-cs"/>
+      </a:defRPr>
+    </a:lvl2pPr>
+    <a:lvl3pPr marL="914400" algn="l" defTabSz="914400" rtl="0" eaLnBrk="1" latinLnBrk="0" hangingPunct="1">
+      <a:defRPr sz="1200" kern="1200">
+        <a:solidFill>
+          <a:schemeClr val="tx1"/>
+        </a:solidFill>
+        <a:latin typeface="+mn-lt"/>
+        <a:ea typeface="+mn-ea"/>
+        <a:cs typeface="+mn-cs"/>
+      </a:defRPr>
+    </a:lvl3pPr>
+    <a:lvl4pPr marL="1371600" algn="l" defTabSz="914400" rtl="0" eaLnBrk="1" latinLnBrk="0" hangingPunct="1">
+      <a:defRPr sz="1200" kern="1200">
+        <a:solidFill>
+          <a:schemeClr val="tx1"/>
+        </a:solidFill>
+        <a:latin typeface="+mn-lt"/>
+        <a:ea typeface="+mn-ea"/>
+        <a:cs typeface="+mn-cs"/>
+      </a:defRPr>
+    </a:lvl4pPr>
+    <a:lvl5pPr marL="1828800" algn="l" defTabSz="914400" rtl="0" eaLnBrk="1" latinLnBrk="0" hangingPunct="1">
+      <a:defRPr sz="1200" kern="1200">
+        <a:solidFill>
+          <a:schemeClr val="tx1"/>
+        </a:solidFill>
+        <a:latin typeface="+mn-lt"/>
+        <a:ea typeface="+mn-ea"/>
+        <a:cs typeface="+mn-cs"/>
+      </a:defRPr>
+    </a:lvl5pPr>
+    <a:lvl6pPr marL="2286000" algn="l" defTabSz="914400" rtl="0" eaLnBrk="1" latinLnBrk="0" hangingPunct="1">
+      <a:defRPr sz="1200" kern="1200">
+        <a:solidFill>
+          <a:schemeClr val="tx1"/>
+        </a:solidFill>
+        <a:latin typeface="+mn-lt"/>
+        <a:ea typeface="+mn-ea"/>
+        <a:cs typeface="+mn-cs"/>
+      </a:defRPr>
+    </a:lvl6pPr>
+    <a:lvl7pPr marL="2743200" algn="l" defTabSz="914400" rtl="0" eaLnBrk="1" latinLnBrk="0" hangingPunct="1">
+      <a:defRPr sz="1200" kern="1200">
+        <a:solidFill>
+          <a:schemeClr val="tx1"/>
+        </a:solidFill>
+        <a:latin typeface="+mn-lt"/>
+        <a:ea typeface="+mn-ea"/>
+        <a:cs typeface="+mn-cs"/>
+      </a:defRPr>
+    </a:lvl7pPr>
+    <a:lvl8pPr marL="3200400" algn="l" defTabSz="914400" rtl="0" eaLnBrk="1" latinLnBrk="0" hangingPunct="1">
+      <a:defRPr sz="1200" kern="1200">
+        <a:solidFill>
+          <a:schemeClr val="tx1"/>
+        </a:solidFill>
+        <a:latin typeface="+mn-lt"/>
+        <a:ea typeface="+mn-ea"/>
+        <a:cs typeface="+mn-cs"/>
+      </a:defRPr>
+    </a:lvl8pPr>
+    <a:lvl9pPr marL="3657600" algn="l" defTabSz="914400" rtl="0" eaLnBrk="1" latinLnBrk="0" hangingPunct="1">
+      <a:defRPr sz="1200" kern="1200">
+        <a:solidFill>
+          <a:schemeClr val="tx1"/>
+        </a:solidFill>
+        <a:latin typeface="+mn-lt"/>
+        <a:ea typeface="+mn-ea"/>
+        <a:cs typeface="+mn-cs"/>
+      </a:defRPr>
+    </a:lvl9pPr>
+  </p:notesStyle>
+</p:notesMaster>
+</file>
+
+<file path=ppt/notesSlides/notesSlide1.xml><?xml version="1.0" encoding="utf-8"?>
+<p:notes xmlns:a="http://schemas.openxmlformats.org/drawingml/2006/main" xmlns:r="http://schemas.openxmlformats.org/officeDocument/2006/relationships" xmlns:p="http://schemas.openxmlformats.org/presentationml/2006/main">
+  <p:cSld>
+    <p:spTree>
+      <p:nvGrpSpPr>
+        <p:cNvPr id="1" name=""/>
+        <p:cNvGrpSpPr/>
+        <p:nvPr/>
+      </p:nvGrpSpPr>
+      <p:grpSpPr>
+        <a:xfrm>
+          <a:off x="0" y="0"/>
+          <a:ext cx="0" cy="0"/>
+          <a:chOff x="0" y="0"/>
+          <a:chExt cx="0" cy="0"/>
+        </a:xfrm>
+      </p:grpSpPr>
+      <p:sp>
+        <p:nvSpPr>
+          <p:cNvPr id="2" name="Slide Image Placeholder 1"/>
+          <p:cNvSpPr>
+            <a:spLocks noGrp="1" noRot="1" noChangeAspect="1"/>
+          </p:cNvSpPr>
+          <p:nvPr>
+            <p:ph type="sldImg"/>
+          </p:nvPr>
+        </p:nvSpPr>
+        <p:spPr/>
+      </p:sp>
+      <p:sp>
+        <p:nvSpPr>
+          <p:cNvPr id="3" name="Notes Placeholder 2"/>
+          <p:cNvSpPr>
+            <a:spLocks noGrp="1"/>
+          </p:cNvSpPr>
+          <p:nvPr>
+            <p:ph type="body" idx="1"/>
+          </p:nvPr>
+        </p:nvSpPr>
+        <p:spPr/>
+        <p:txBody>
+          <a:bodyPr/>
+          <a:lstStyle/>
+          <a:p>
+            <a:r>
+              <a:rPr lang="en-US" sz="1200" b="0" i="0" kern="1200" dirty="0" smtClean="0">
+                <a:solidFill>
+                  <a:schemeClr val="tx1"/>
+                </a:solidFill>
+                <a:effectLst/>
+                <a:latin typeface="+mn-lt"/>
+                <a:ea typeface="+mn-ea"/>
+                <a:cs typeface="+mn-cs"/>
+              </a:rPr>
+              <a:t>Some old series switches, like the Catalyst 1900, use the old cost value. Cisco has already discontinued these old series switches. New series switches, like the 2960, use the new cost value. In the port selection process, the lower cost value is always preferred over the higher cost value. For example, if two ports; F0 and F1 have cost value 2 and 4 respectively. The port F0 will be selected.</a:t>
+            </a:r>
+          </a:p>
+          <a:p>
+            <a:r>
+              <a:rPr lang="en-US" dirty="0" smtClean="0"/>
+              <a:t/>
+            </a:r>
+            <a:br>
+              <a:rPr lang="en-US" dirty="0" smtClean="0"/>
+            </a:br>
+            <a:endParaRPr lang="en-US" dirty="0"/>
+          </a:p>
+        </p:txBody>
+      </p:sp>
+      <p:sp>
+        <p:nvSpPr>
+          <p:cNvPr id="4" name="Slide Number Placeholder 3"/>
+          <p:cNvSpPr>
+            <a:spLocks noGrp="1"/>
+          </p:cNvSpPr>
+          <p:nvPr>
+            <p:ph type="sldNum" sz="quarter" idx="10"/>
+          </p:nvPr>
+        </p:nvSpPr>
+        <p:spPr/>
+        <p:txBody>
+          <a:bodyPr/>
+          <a:lstStyle/>
+          <a:p>
+            <a:fld id="{191833EC-696C-4C62-B4D3-31C4D0EFBDA0}" type="slidenum">
+              <a:rPr lang="en-US" smtClean="0"/>
+              <a:t>32</a:t>
+            </a:fld>
+            <a:endParaRPr lang="en-US"/>
+          </a:p>
+        </p:txBody>
+      </p:sp>
+    </p:spTree>
+    <p:extLst>
+      <p:ext uri="{BB962C8B-B14F-4D97-AF65-F5344CB8AC3E}">
+        <p14:creationId xmlns:p14="http://schemas.microsoft.com/office/powerpoint/2010/main" val="3514555345"/>
+      </p:ext>
+    </p:extLst>
+  </p:cSld>
+  <p:clrMapOvr>
+    <a:masterClrMapping/>
+  </p:clrMapOvr>
+</p:notes>
 </file>
 
 <file path=ppt/slideLayouts/slideLayout1.xml><?xml version="1.0" encoding="utf-8"?>
@@ -5730,7 +6188,7 @@
     <p:controls>
       <mc:AlternateContent xmlns:mc="http://schemas.openxmlformats.org/markup-compatibility/2006">
         <mc:Choice xmlns:v="urn:schemas-microsoft-com:vml" Requires="v">
-          <p:control spid="1043" name="HTMLOption1" r:id="rId2" imgW="257040" imgH="304920"/>
+          <p:control spid="1052" name="HTMLOption1" r:id="rId2" imgW="257040" imgH="304920"/>
         </mc:Choice>
         <mc:Fallback>
           <p:control name="HTMLOption1" r:id="rId2" imgW="257040" imgH="304920">
@@ -6753,11 +7211,7 @@
           <a:p>
             <a:r>
               <a:rPr lang="en-US" dirty="0" smtClean="0"/>
-              <a:t>Selecting Root </a:t>
-            </a:r>
-            <a:r>
-              <a:rPr lang="en-US" dirty="0" smtClean="0"/>
-              <a:t>Bridge:</a:t>
+              <a:t>Selecting Root Bridge:</a:t>
             </a:r>
           </a:p>
           <a:p>
@@ -7091,8 +7545,33 @@
           <a:p>
             <a:r>
               <a:rPr lang="en-US" dirty="0" smtClean="0"/>
-              <a:t>Only one Root Bridge in the Network.</a:t>
-            </a:r>
+              <a:t>Only one Root Bridge in the Network</a:t>
+            </a:r>
+            <a:r>
+              <a:rPr lang="en-US" dirty="0" smtClean="0"/>
+              <a:t>.</a:t>
+            </a:r>
+          </a:p>
+          <a:p>
+            <a:endParaRPr lang="en-US" u="sng" dirty="0" smtClean="0"/>
+          </a:p>
+          <a:p>
+            <a:r>
+              <a:rPr lang="en-US" u="sng" dirty="0" smtClean="0"/>
+              <a:t>Non-Root Bridge:</a:t>
+            </a:r>
+            <a:endParaRPr lang="en-US" u="sng" dirty="0"/>
+          </a:p>
+          <a:p>
+            <a:pPr marL="457200" lvl="1" indent="0">
+              <a:buNone/>
+            </a:pPr>
+            <a:r>
+              <a:rPr lang="en-US" dirty="0"/>
+              <a:t>Except the Root Bridge, all remaining switches of the network are considered as the Non-Root Bridges. Non-Root Bridges receive updates from the Root Bridge and update their STP databases relatively.</a:t>
+            </a:r>
+          </a:p>
+          <a:p>
             <a:endParaRPr lang="en-US" dirty="0"/>
           </a:p>
         </p:txBody>
@@ -7176,7 +7655,55 @@
           <a:bodyPr/>
           <a:lstStyle/>
           <a:p>
-            <a:endParaRPr lang="en-US"/>
+            <a:r>
+              <a:rPr lang="en-US" dirty="0"/>
+              <a:t>Root </a:t>
+            </a:r>
+            <a:r>
+              <a:rPr lang="en-US" dirty="0" smtClean="0"/>
+              <a:t>Port:</a:t>
+            </a:r>
+            <a:endParaRPr lang="en-US" dirty="0"/>
+          </a:p>
+          <a:p>
+            <a:pPr marL="457200" lvl="1" indent="0">
+              <a:buNone/>
+            </a:pPr>
+            <a:r>
+              <a:rPr lang="en-US" dirty="0"/>
+              <a:t>The Root port is the port that directly connects to the Root Bridge, or has the shortest path to the Root Bridge. The shortest path is the path that has the lowest path cost value. Remember that, a switch can go through many other switches to get the root bridge. So it’s not always the shortest path but it is the fastest path.</a:t>
+            </a:r>
+          </a:p>
+          <a:p>
+            <a:pPr marL="514350" indent="-514350">
+              <a:buFont typeface="+mj-lt"/>
+              <a:buAutoNum type="arabicPeriod"/>
+            </a:pPr>
+            <a:r>
+              <a:rPr lang="en-US" dirty="0" smtClean="0"/>
+              <a:t>Least cost speed </a:t>
+            </a:r>
+          </a:p>
+          <a:p>
+            <a:pPr marL="514350" indent="-514350">
+              <a:buFont typeface="+mj-lt"/>
+              <a:buAutoNum type="arabicPeriod"/>
+            </a:pPr>
+            <a:r>
+              <a:rPr lang="en-US" dirty="0" smtClean="0"/>
+              <a:t>The lowest forwarding switch id(priority + MAC Address)</a:t>
+            </a:r>
+          </a:p>
+          <a:p>
+            <a:pPr marL="514350" indent="-514350">
+              <a:buFont typeface="+mj-lt"/>
+              <a:buAutoNum type="arabicPeriod"/>
+            </a:pPr>
+            <a:r>
+              <a:rPr lang="en-US" dirty="0" smtClean="0"/>
+              <a:t>Lowest forwarding physical port number</a:t>
+            </a:r>
+            <a:endParaRPr lang="en-US" dirty="0"/>
           </a:p>
         </p:txBody>
       </p:sp>
@@ -7232,7 +7759,15 @@
           <a:bodyPr/>
           <a:lstStyle/>
           <a:p>
-            <a:endParaRPr lang="en-US"/>
+            <a:r>
+              <a:rPr lang="en-US" dirty="0"/>
+              <a:t>Port </a:t>
+            </a:r>
+            <a:r>
+              <a:rPr lang="en-US" dirty="0" smtClean="0"/>
+              <a:t>Cost</a:t>
+            </a:r>
+            <a:endParaRPr lang="en-US" dirty="0"/>
           </a:p>
         </p:txBody>
       </p:sp>
@@ -7248,13 +7783,364 @@
         </p:nvSpPr>
         <p:spPr/>
         <p:txBody>
-          <a:bodyPr/>
-          <a:lstStyle/>
-          <a:p>
-            <a:endParaRPr lang="en-US"/>
-          </a:p>
-        </p:txBody>
-      </p:sp>
+          <a:bodyPr>
+            <a:normAutofit/>
+          </a:bodyPr>
+          <a:lstStyle/>
+          <a:p>
+            <a:r>
+              <a:rPr lang="en-US" dirty="0" smtClean="0"/>
+              <a:t>Based </a:t>
+            </a:r>
+            <a:r>
+              <a:rPr lang="en-US" dirty="0"/>
+              <a:t>on the connected media link, STP assigns a value to each port of the network. This value is known as the port cost value. STP uses this value to choose the single best path when multiple links are available between two switches. It selects the port which has the lowest port cost value</a:t>
+            </a:r>
+            <a:r>
+              <a:rPr lang="en-US" dirty="0" smtClean="0"/>
+              <a:t>.</a:t>
+            </a:r>
+            <a:endParaRPr lang="en-US" dirty="0"/>
+          </a:p>
+          <a:p>
+            <a:r>
+              <a:rPr lang="en-US" dirty="0"/>
+              <a:t>There are two sets of the port cost value. The following table lists both</a:t>
+            </a:r>
+            <a:r>
+              <a:rPr lang="en-US" dirty="0" smtClean="0"/>
+              <a:t>.</a:t>
+            </a:r>
+            <a:endParaRPr lang="en-US" dirty="0"/>
+          </a:p>
+          <a:p>
+            <a:pPr marL="0" indent="0">
+              <a:buNone/>
+            </a:pPr>
+            <a:endParaRPr lang="en-US" dirty="0"/>
+          </a:p>
+        </p:txBody>
+      </p:sp>
+      <p:graphicFrame>
+        <p:nvGraphicFramePr>
+          <p:cNvPr id="6" name="Table 5"/>
+          <p:cNvGraphicFramePr>
+            <a:graphicFrameLocks noGrp="1"/>
+          </p:cNvGraphicFramePr>
+          <p:nvPr>
+            <p:extLst>
+              <p:ext uri="{D42A27DB-BD31-4B8C-83A1-F6EECF244321}">
+                <p14:modId xmlns:p14="http://schemas.microsoft.com/office/powerpoint/2010/main" val="70650059"/>
+              </p:ext>
+            </p:extLst>
+          </p:nvPr>
+        </p:nvGraphicFramePr>
+        <p:xfrm>
+          <a:off x="2032000" y="4716901"/>
+          <a:ext cx="8127999" cy="1854200"/>
+        </p:xfrm>
+        <a:graphic>
+          <a:graphicData uri="http://schemas.openxmlformats.org/drawingml/2006/table">
+            <a:tbl>
+              <a:tblPr firstRow="1" bandRow="1">
+                <a:tableStyleId>{5C22544A-7EE6-4342-B048-85BDC9FD1C3A}</a:tableStyleId>
+              </a:tblPr>
+              <a:tblGrid>
+                <a:gridCol w="2709333">
+                  <a:extLst>
+                    <a:ext uri="{9D8B030D-6E8A-4147-A177-3AD203B41FA5}">
+                      <a16:colId xmlns:a16="http://schemas.microsoft.com/office/drawing/2014/main" val="1012392559"/>
+                    </a:ext>
+                  </a:extLst>
+                </a:gridCol>
+                <a:gridCol w="2709333">
+                  <a:extLst>
+                    <a:ext uri="{9D8B030D-6E8A-4147-A177-3AD203B41FA5}">
+                      <a16:colId xmlns:a16="http://schemas.microsoft.com/office/drawing/2014/main" val="837665675"/>
+                    </a:ext>
+                  </a:extLst>
+                </a:gridCol>
+                <a:gridCol w="2709333">
+                  <a:extLst>
+                    <a:ext uri="{9D8B030D-6E8A-4147-A177-3AD203B41FA5}">
+                      <a16:colId xmlns:a16="http://schemas.microsoft.com/office/drawing/2014/main" val="969660082"/>
+                    </a:ext>
+                  </a:extLst>
+                </a:gridCol>
+              </a:tblGrid>
+              <a:tr h="370840">
+                <a:tc>
+                  <a:txBody>
+                    <a:bodyPr/>
+                    <a:lstStyle/>
+                    <a:p>
+                      <a:r>
+                        <a:rPr lang="en-US" dirty="0" smtClean="0"/>
+                        <a:t>Bandwidth</a:t>
+                      </a:r>
+                      <a:endParaRPr lang="en-US" dirty="0"/>
+                    </a:p>
+                  </a:txBody>
+                  <a:tcPr/>
+                </a:tc>
+                <a:tc>
+                  <a:txBody>
+                    <a:bodyPr/>
+                    <a:lstStyle/>
+                    <a:p>
+                      <a:r>
+                        <a:rPr lang="en-US" dirty="0" smtClean="0"/>
+                        <a:t>Old Cost Value</a:t>
+                      </a:r>
+                      <a:endParaRPr lang="en-US" dirty="0"/>
+                    </a:p>
+                  </a:txBody>
+                  <a:tcPr/>
+                </a:tc>
+                <a:tc>
+                  <a:txBody>
+                    <a:bodyPr/>
+                    <a:lstStyle/>
+                    <a:p>
+                      <a:pPr marL="0" marR="0" lvl="0" indent="0" algn="l" defTabSz="914400" rtl="0" eaLnBrk="1" fontAlgn="auto" latinLnBrk="0" hangingPunct="1">
+                        <a:lnSpc>
+                          <a:spcPct val="100000"/>
+                        </a:lnSpc>
+                        <a:spcBef>
+                          <a:spcPts val="0"/>
+                        </a:spcBef>
+                        <a:spcAft>
+                          <a:spcPts val="0"/>
+                        </a:spcAft>
+                        <a:buClrTx/>
+                        <a:buSzTx/>
+                        <a:buFontTx/>
+                        <a:buNone/>
+                        <a:tabLst/>
+                        <a:defRPr/>
+                      </a:pPr>
+                      <a:r>
+                        <a:rPr lang="en-US" dirty="0" smtClean="0"/>
+                        <a:t>New Cost Value</a:t>
+                      </a:r>
+                    </a:p>
+                  </a:txBody>
+                  <a:tcPr/>
+                </a:tc>
+                <a:extLst>
+                  <a:ext uri="{0D108BD9-81ED-4DB2-BD59-A6C34878D82A}">
+                    <a16:rowId xmlns:a16="http://schemas.microsoft.com/office/drawing/2014/main" val="2064514694"/>
+                  </a:ext>
+                </a:extLst>
+              </a:tr>
+              <a:tr h="370840">
+                <a:tc>
+                  <a:txBody>
+                    <a:bodyPr/>
+                    <a:lstStyle/>
+                    <a:p>
+                      <a:r>
+                        <a:rPr lang="en-US" dirty="0" smtClean="0"/>
+                        <a:t>10 </a:t>
+                      </a:r>
+                      <a:r>
+                        <a:rPr lang="en-US" dirty="0" err="1" smtClean="0"/>
+                        <a:t>Gbps</a:t>
+                      </a:r>
+                      <a:endParaRPr lang="en-US" dirty="0"/>
+                    </a:p>
+                  </a:txBody>
+                  <a:tcPr/>
+                </a:tc>
+                <a:tc>
+                  <a:txBody>
+                    <a:bodyPr/>
+                    <a:lstStyle/>
+                    <a:p>
+                      <a:r>
+                        <a:rPr lang="en-US" dirty="0" smtClean="0"/>
+                        <a:t>1</a:t>
+                      </a:r>
+                      <a:endParaRPr lang="en-US" dirty="0"/>
+                    </a:p>
+                  </a:txBody>
+                  <a:tcPr/>
+                </a:tc>
+                <a:tc>
+                  <a:txBody>
+                    <a:bodyPr/>
+                    <a:lstStyle/>
+                    <a:p>
+                      <a:r>
+                        <a:rPr lang="en-US" dirty="0" smtClean="0"/>
+                        <a:t>2</a:t>
+                      </a:r>
+                      <a:endParaRPr lang="en-US" dirty="0"/>
+                    </a:p>
+                  </a:txBody>
+                  <a:tcPr/>
+                </a:tc>
+                <a:extLst>
+                  <a:ext uri="{0D108BD9-81ED-4DB2-BD59-A6C34878D82A}">
+                    <a16:rowId xmlns:a16="http://schemas.microsoft.com/office/drawing/2014/main" val="2522856218"/>
+                  </a:ext>
+                </a:extLst>
+              </a:tr>
+              <a:tr h="370840">
+                <a:tc>
+                  <a:txBody>
+                    <a:bodyPr/>
+                    <a:lstStyle/>
+                    <a:p>
+                      <a:r>
+                        <a:rPr lang="en-US" dirty="0" smtClean="0"/>
+                        <a:t>1 </a:t>
+                      </a:r>
+                      <a:r>
+                        <a:rPr lang="en-US" dirty="0" err="1" smtClean="0"/>
+                        <a:t>Gbps</a:t>
+                      </a:r>
+                      <a:endParaRPr lang="en-US" dirty="0"/>
+                    </a:p>
+                  </a:txBody>
+                  <a:tcPr/>
+                </a:tc>
+                <a:tc>
+                  <a:txBody>
+                    <a:bodyPr/>
+                    <a:lstStyle/>
+                    <a:p>
+                      <a:r>
+                        <a:rPr lang="en-US" dirty="0" smtClean="0"/>
+                        <a:t>1</a:t>
+                      </a:r>
+                      <a:endParaRPr lang="en-US" dirty="0"/>
+                    </a:p>
+                  </a:txBody>
+                  <a:tcPr/>
+                </a:tc>
+                <a:tc>
+                  <a:txBody>
+                    <a:bodyPr/>
+                    <a:lstStyle/>
+                    <a:p>
+                      <a:r>
+                        <a:rPr lang="en-US" dirty="0" smtClean="0"/>
+                        <a:t>4</a:t>
+                      </a:r>
+                      <a:endParaRPr lang="en-US" dirty="0"/>
+                    </a:p>
+                  </a:txBody>
+                  <a:tcPr/>
+                </a:tc>
+                <a:extLst>
+                  <a:ext uri="{0D108BD9-81ED-4DB2-BD59-A6C34878D82A}">
+                    <a16:rowId xmlns:a16="http://schemas.microsoft.com/office/drawing/2014/main" val="973310622"/>
+                  </a:ext>
+                </a:extLst>
+              </a:tr>
+              <a:tr h="370840">
+                <a:tc>
+                  <a:txBody>
+                    <a:bodyPr/>
+                    <a:lstStyle/>
+                    <a:p>
+                      <a:r>
+                        <a:rPr lang="en-US" dirty="0" smtClean="0"/>
+                        <a:t>100 Mbps</a:t>
+                      </a:r>
+                      <a:endParaRPr lang="en-US" dirty="0"/>
+                    </a:p>
+                  </a:txBody>
+                  <a:tcPr/>
+                </a:tc>
+                <a:tc>
+                  <a:txBody>
+                    <a:bodyPr/>
+                    <a:lstStyle/>
+                    <a:p>
+                      <a:r>
+                        <a:rPr lang="en-US" dirty="0" smtClean="0"/>
+                        <a:t>10</a:t>
+                      </a:r>
+                      <a:endParaRPr lang="en-US" dirty="0"/>
+                    </a:p>
+                  </a:txBody>
+                  <a:tcPr/>
+                </a:tc>
+                <a:tc>
+                  <a:txBody>
+                    <a:bodyPr/>
+                    <a:lstStyle/>
+                    <a:p>
+                      <a:r>
+                        <a:rPr lang="en-US" dirty="0" smtClean="0"/>
+                        <a:t>19</a:t>
+                      </a:r>
+                      <a:endParaRPr lang="en-US" dirty="0"/>
+                    </a:p>
+                  </a:txBody>
+                  <a:tcPr/>
+                </a:tc>
+                <a:extLst>
+                  <a:ext uri="{0D108BD9-81ED-4DB2-BD59-A6C34878D82A}">
+                    <a16:rowId xmlns:a16="http://schemas.microsoft.com/office/drawing/2014/main" val="3867884120"/>
+                  </a:ext>
+                </a:extLst>
+              </a:tr>
+              <a:tr h="370840">
+                <a:tc>
+                  <a:txBody>
+                    <a:bodyPr/>
+                    <a:lstStyle/>
+                    <a:p>
+                      <a:r>
+                        <a:rPr lang="en-US" dirty="0" smtClean="0"/>
+                        <a:t>10 Mbps</a:t>
+                      </a:r>
+                      <a:endParaRPr lang="en-US" dirty="0"/>
+                    </a:p>
+                  </a:txBody>
+                  <a:tcPr/>
+                </a:tc>
+                <a:tc>
+                  <a:txBody>
+                    <a:bodyPr/>
+                    <a:lstStyle/>
+                    <a:p>
+                      <a:r>
+                        <a:rPr lang="en-US" dirty="0" smtClean="0"/>
+                        <a:t>100</a:t>
+                      </a:r>
+                      <a:endParaRPr lang="en-US" dirty="0"/>
+                    </a:p>
+                  </a:txBody>
+                  <a:tcPr/>
+                </a:tc>
+                <a:tc>
+                  <a:txBody>
+                    <a:bodyPr/>
+                    <a:lstStyle/>
+                    <a:p>
+                      <a:r>
+                        <a:rPr lang="en-US" dirty="0" smtClean="0"/>
+                        <a:t>100</a:t>
+                      </a:r>
+                      <a:endParaRPr lang="en-US" dirty="0"/>
+                    </a:p>
+                  </a:txBody>
+                  <a:tcPr/>
+                </a:tc>
+                <a:extLst>
+                  <a:ext uri="{0D108BD9-81ED-4DB2-BD59-A6C34878D82A}">
+                    <a16:rowId xmlns:a16="http://schemas.microsoft.com/office/drawing/2014/main" val="87075138"/>
+                  </a:ext>
+                </a:extLst>
+              </a:tr>
+            </a:tbl>
+          </a:graphicData>
+        </a:graphic>
+      </p:graphicFrame>
     </p:spTree>
     <p:extLst>
       <p:ext uri="{BB962C8B-B14F-4D97-AF65-F5344CB8AC3E}">
@@ -7300,7 +8186,11 @@
           <a:bodyPr/>
           <a:lstStyle/>
           <a:p>
-            <a:endParaRPr lang="en-US"/>
+            <a:r>
+              <a:rPr lang="en-US" dirty="0" smtClean="0"/>
+              <a:t>STP Continue…</a:t>
+            </a:r>
+            <a:endParaRPr lang="en-US" dirty="0"/>
           </a:p>
         </p:txBody>
       </p:sp>
@@ -7319,7 +8209,40 @@
           <a:bodyPr/>
           <a:lstStyle/>
           <a:p>
-            <a:endParaRPr lang="en-US"/>
+            <a:r>
+              <a:rPr lang="en-US" dirty="0"/>
+              <a:t>The lowest forwarding switch id(priority + MAC </a:t>
+            </a:r>
+            <a:r>
+              <a:rPr lang="en-US" dirty="0" smtClean="0"/>
+              <a:t>Address)</a:t>
+            </a:r>
+            <a:endParaRPr lang="en-US" dirty="0"/>
+          </a:p>
+          <a:p>
+            <a:pPr marL="457200" lvl="1" indent="0">
+              <a:buNone/>
+            </a:pPr>
+            <a:r>
+              <a:rPr lang="en-US" dirty="0" smtClean="0"/>
+              <a:t>Switch Id  = priority + Mac address</a:t>
+            </a:r>
+          </a:p>
+          <a:p>
+            <a:r>
+              <a:rPr lang="en-US" dirty="0" smtClean="0"/>
+              <a:t>Lowest Forwarding physical port number</a:t>
+            </a:r>
+          </a:p>
+          <a:p>
+            <a:pPr marL="457200" lvl="1" indent="0">
+              <a:buNone/>
+            </a:pPr>
+            <a:r>
+              <a:rPr lang="en-US" dirty="0" smtClean="0"/>
+              <a:t>In one connected port is Fa 0/1 and other port is fa 0/2, so fa 0/1is lower then fa0/2, according to the role fa0/1 is selected</a:t>
+            </a:r>
+            <a:endParaRPr lang="en-US" dirty="0"/>
           </a:p>
         </p:txBody>
       </p:sp>
@@ -7365,10 +8288,20 @@
         </p:nvSpPr>
         <p:spPr/>
         <p:txBody>
-          <a:bodyPr/>
-          <a:lstStyle/>
-          <a:p>
-            <a:endParaRPr lang="en-US"/>
+          <a:bodyPr>
+            <a:normAutofit/>
+          </a:bodyPr>
+          <a:lstStyle/>
+          <a:p>
+            <a:r>
+              <a:rPr lang="en-US" dirty="0"/>
+              <a:t>Selecting the designated port and non designated port</a:t>
+            </a:r>
+            <a:r>
+              <a:rPr lang="en-US" dirty="0" smtClean="0"/>
+              <a:t>.</a:t>
+            </a:r>
+            <a:endParaRPr lang="en-US" dirty="0"/>
           </a:p>
         </p:txBody>
       </p:sp>
@@ -7387,7 +8320,40 @@
           <a:bodyPr/>
           <a:lstStyle/>
           <a:p>
-            <a:endParaRPr lang="en-US"/>
+            <a:r>
+              <a:rPr lang="en-US" dirty="0"/>
+              <a:t>A </a:t>
+            </a:r>
+            <a:r>
+              <a:rPr lang="en-US" u="sng" dirty="0"/>
+              <a:t>designated port </a:t>
+            </a:r>
+            <a:r>
+              <a:rPr lang="en-US" dirty="0"/>
+              <a:t>is the port that has the lowest port cost value to get on a given network, compared to other ports on that segment. STP marks the designated ports as the forwarding ports. Forwarding ports are used to forward the frames</a:t>
+            </a:r>
+            <a:r>
+              <a:rPr lang="en-US" dirty="0" smtClean="0"/>
+              <a:t>.</a:t>
+            </a:r>
+          </a:p>
+          <a:p>
+            <a:endParaRPr lang="en-US" dirty="0"/>
+          </a:p>
+          <a:p>
+            <a:r>
+              <a:rPr lang="en-US" dirty="0"/>
+              <a:t>A </a:t>
+            </a:r>
+            <a:r>
+              <a:rPr lang="en-US" u="sng" dirty="0"/>
+              <a:t>non-designated</a:t>
+            </a:r>
+            <a:r>
+              <a:rPr lang="en-US" dirty="0"/>
+              <a:t> port is a port that has the higher port cost than the designated port. STP marks the non-designated port as the blocking port. Blocking ports are used to remove loops.</a:t>
+            </a:r>
+            <a:endParaRPr lang="en-US" dirty="0"/>
           </a:p>
         </p:txBody>
       </p:sp>
@@ -7436,7 +8402,11 @@
           <a:bodyPr/>
           <a:lstStyle/>
           <a:p>
-            <a:endParaRPr lang="en-US"/>
+            <a:r>
+              <a:rPr lang="en-US" dirty="0" smtClean="0"/>
+              <a:t>STP Port States</a:t>
+            </a:r>
+            <a:endParaRPr lang="en-US" dirty="0"/>
           </a:p>
         </p:txBody>
       </p:sp>
@@ -7452,10 +8422,105 @@
         </p:nvSpPr>
         <p:spPr/>
         <p:txBody>
-          <a:bodyPr/>
-          <a:lstStyle/>
-          <a:p>
-            <a:endParaRPr lang="en-US"/>
+          <a:bodyPr>
+            <a:normAutofit lnSpcReduction="10000"/>
+          </a:bodyPr>
+          <a:lstStyle/>
+          <a:p>
+            <a:pPr marL="0" indent="0">
+              <a:buNone/>
+            </a:pPr>
+            <a:r>
+              <a:rPr lang="en-US" dirty="0"/>
+              <a:t>All ports on a STP running switch, go through the four different </a:t>
+            </a:r>
+            <a:r>
+              <a:rPr lang="en-US" dirty="0" smtClean="0"/>
+              <a:t>states.</a:t>
+            </a:r>
+          </a:p>
+          <a:p>
+            <a:pPr marL="514350" indent="-514350">
+              <a:buFont typeface="+mj-lt"/>
+              <a:buAutoNum type="arabicPeriod"/>
+            </a:pPr>
+            <a:r>
+              <a:rPr lang="en-US" dirty="0" smtClean="0"/>
+              <a:t>Blocking</a:t>
+            </a:r>
+            <a:r>
+              <a:rPr lang="en-US" dirty="0"/>
+              <a:t>, </a:t>
+            </a:r>
+            <a:endParaRPr lang="en-US" dirty="0" smtClean="0"/>
+          </a:p>
+          <a:p>
+            <a:pPr marL="514350" indent="-514350">
+              <a:buFont typeface="+mj-lt"/>
+              <a:buAutoNum type="arabicPeriod"/>
+            </a:pPr>
+            <a:r>
+              <a:rPr lang="en-US" dirty="0"/>
+              <a:t>L</a:t>
+            </a:r>
+            <a:r>
+              <a:rPr lang="en-US" dirty="0" smtClean="0"/>
+              <a:t>istening</a:t>
+            </a:r>
+            <a:r>
+              <a:rPr lang="en-US" dirty="0"/>
+              <a:t>, </a:t>
+            </a:r>
+            <a:endParaRPr lang="en-US" dirty="0" smtClean="0"/>
+          </a:p>
+          <a:p>
+            <a:pPr marL="514350" indent="-514350">
+              <a:buFont typeface="+mj-lt"/>
+              <a:buAutoNum type="arabicPeriod"/>
+            </a:pPr>
+            <a:r>
+              <a:rPr lang="en-US" dirty="0"/>
+              <a:t>L</a:t>
+            </a:r>
+            <a:r>
+              <a:rPr lang="en-US" dirty="0" smtClean="0"/>
+              <a:t>earning</a:t>
+            </a:r>
+            <a:r>
+              <a:rPr lang="en-US" dirty="0"/>
+              <a:t>, and </a:t>
+            </a:r>
+            <a:endParaRPr lang="en-US" dirty="0" smtClean="0"/>
+          </a:p>
+          <a:p>
+            <a:pPr marL="514350" indent="-514350">
+              <a:buFont typeface="+mj-lt"/>
+              <a:buAutoNum type="arabicPeriod"/>
+            </a:pPr>
+            <a:r>
+              <a:rPr lang="en-US" dirty="0"/>
+              <a:t>F</a:t>
+            </a:r>
+            <a:r>
+              <a:rPr lang="en-US" dirty="0" smtClean="0"/>
+              <a:t>orwarding</a:t>
+            </a:r>
+            <a:r>
+              <a:rPr lang="en-US" dirty="0"/>
+              <a:t>. </a:t>
+            </a:r>
+            <a:endParaRPr lang="en-US" dirty="0" smtClean="0"/>
+          </a:p>
+          <a:p>
+            <a:r>
+              <a:rPr lang="en-US" dirty="0" smtClean="0"/>
+              <a:t>Through </a:t>
+            </a:r>
+            <a:r>
+              <a:rPr lang="en-US" dirty="0"/>
+              <a:t>these states, the switch not only understands the network topology but also calculates the path cost value and based on that value elects the designated and non-designated ports. After these states, the switch is considered as the STP convergent switch. Let’s understand each state in detail.</a:t>
+            </a:r>
+            <a:endParaRPr lang="en-US" dirty="0"/>
           </a:p>
         </p:txBody>
       </p:sp>
@@ -7501,10 +8566,28 @@
         </p:nvSpPr>
         <p:spPr/>
         <p:txBody>
-          <a:bodyPr/>
-          <a:lstStyle/>
-          <a:p>
-            <a:endParaRPr lang="en-US"/>
+          <a:bodyPr>
+            <a:normAutofit/>
+          </a:bodyPr>
+          <a:lstStyle/>
+          <a:p>
+            <a:r>
+              <a:rPr lang="en-US" dirty="0"/>
+              <a:t>STP port </a:t>
+            </a:r>
+            <a:r>
+              <a:rPr lang="en-US" dirty="0" smtClean="0"/>
+              <a:t>states</a:t>
+            </a:r>
+            <a:r>
+              <a:rPr lang="en-US" dirty="0"/>
+              <a:t> </a:t>
+            </a:r>
+            <a:r>
+              <a:rPr lang="en-US" dirty="0" smtClean="0"/>
+              <a:t>Continue…</a:t>
+            </a:r>
+            <a:endParaRPr lang="en-US" dirty="0"/>
           </a:p>
         </p:txBody>
       </p:sp>
@@ -7523,7 +8606,31 @@
           <a:bodyPr/>
           <a:lstStyle/>
           <a:p>
-            <a:endParaRPr lang="en-US"/>
+            <a:r>
+              <a:rPr lang="en-US" dirty="0"/>
+              <a:t>STP Blocking state</a:t>
+            </a:r>
+          </a:p>
+          <a:p>
+            <a:pPr marL="457200" lvl="1" indent="0">
+              <a:buNone/>
+            </a:pPr>
+            <a:r>
+              <a:rPr lang="en-US" dirty="0"/>
+              <a:t>When we power on a switch, the switch puts all of its ports in this state. In this state, the switch only listens and processes the BPDUs. Except the BPDUs, it drops all other frames. From the incoming BPDUs, it learns the network topology and determines the ports which will work as the root ports, as the designated ports, and as the blocked ports.</a:t>
+            </a:r>
+          </a:p>
+          <a:p>
+            <a:pPr marL="457200" lvl="1" indent="0">
+              <a:buNone/>
+            </a:pPr>
+            <a:r>
+              <a:rPr lang="en-US" dirty="0"/>
+              <a:t>All ports remain in this state for twenty seconds. After twenty seconds, only the root port and designated ports move into the next state. Remaining ports stay in this state</a:t>
+            </a:r>
+          </a:p>
+          <a:p>
+            <a:endParaRPr lang="en-US" dirty="0"/>
           </a:p>
         </p:txBody>
       </p:sp>
@@ -7572,7 +8679,11 @@
           <a:bodyPr/>
           <a:lstStyle/>
           <a:p>
-            <a:endParaRPr lang="en-US"/>
+            <a:r>
+              <a:rPr lang="en-US" dirty="0"/>
+              <a:t>STP port states Continue…</a:t>
+            </a:r>
+            <a:endParaRPr lang="en-US" dirty="0"/>
           </a:p>
         </p:txBody>
       </p:sp>
@@ -7588,10 +8699,66 @@
         </p:nvSpPr>
         <p:spPr/>
         <p:txBody>
-          <a:bodyPr/>
-          <a:lstStyle/>
-          <a:p>
-            <a:endParaRPr lang="en-US"/>
+          <a:bodyPr>
+            <a:normAutofit/>
+          </a:bodyPr>
+          <a:lstStyle/>
+          <a:p>
+            <a:r>
+              <a:rPr lang="en-US" dirty="0"/>
+              <a:t>STP Listening </a:t>
+            </a:r>
+            <a:r>
+              <a:rPr lang="en-US" dirty="0" smtClean="0"/>
+              <a:t>state:</a:t>
+            </a:r>
+            <a:endParaRPr lang="en-US" dirty="0"/>
+          </a:p>
+          <a:p>
+            <a:pPr marL="457200" lvl="1" indent="0">
+              <a:buNone/>
+            </a:pPr>
+            <a:r>
+              <a:rPr lang="en-US" dirty="0"/>
+              <a:t>In this state, ports still listen and process only BPDUs. All other frames except BPDUs are dropped. The switch double checks the layer 2 topology to make sure that no loops occur in the network before processing the data frames. Ports remain in this state for fifteen </a:t>
+            </a:r>
+            <a:r>
+              <a:rPr lang="en-US" dirty="0" smtClean="0"/>
+              <a:t>seconds.</a:t>
+            </a:r>
+          </a:p>
+          <a:p>
+            <a:r>
+              <a:rPr lang="en-US" dirty="0" smtClean="0"/>
+              <a:t>STP </a:t>
+            </a:r>
+            <a:r>
+              <a:rPr lang="en-US" dirty="0"/>
+              <a:t>Learning </a:t>
+            </a:r>
+            <a:r>
+              <a:rPr lang="en-US" dirty="0" smtClean="0"/>
+              <a:t>state:</a:t>
+            </a:r>
+            <a:endParaRPr lang="en-US" dirty="0"/>
+          </a:p>
+          <a:p>
+            <a:pPr marL="457200" lvl="1" indent="0">
+              <a:buNone/>
+            </a:pPr>
+            <a:r>
+              <a:rPr lang="en-US" dirty="0"/>
+              <a:t>Only the root port and designated ports enter into the learning state from the listening state. In this state, ports still listen and process BPDUs. However, in this state, ports start processing user frames. Switch examines the source address of user frames and updates its CAM table but it does not forward any user frame to the destination port. Ports stay in this state for fifteen seconds.</a:t>
+            </a:r>
+          </a:p>
+          <a:p>
+            <a:pPr marL="457200" lvl="1" indent="0">
+              <a:buNone/>
+            </a:pPr>
+            <a:endParaRPr lang="en-US" dirty="0"/>
+          </a:p>
+          <a:p>
+            <a:endParaRPr lang="en-US" dirty="0"/>
           </a:p>
         </p:txBody>
       </p:sp>
@@ -7641,8 +8808,8 @@
           <a:lstStyle/>
           <a:p>
             <a:r>
-              <a:rPr lang="en-US" dirty="0" smtClean="0"/>
-              <a:t>Different in physical and logical after STP</a:t>
+              <a:rPr lang="en-US" dirty="0"/>
+              <a:t>STP port states Continue…</a:t>
             </a:r>
             <a:endParaRPr lang="en-US" dirty="0"/>
           </a:p>
@@ -7650,7 +8817,7 @@
       </p:sp>
       <p:sp>
         <p:nvSpPr>
-          <p:cNvPr id="5" name="Content Placeholder 4"/>
+          <p:cNvPr id="3" name="Content Placeholder 2"/>
           <p:cNvSpPr>
             <a:spLocks noGrp="1"/>
           </p:cNvSpPr>
@@ -7663,6 +8830,47 @@
           <a:bodyPr/>
           <a:lstStyle/>
           <a:p>
+            <a:r>
+              <a:rPr lang="en-US" dirty="0"/>
+              <a:t>STP Forwarding state</a:t>
+            </a:r>
+          </a:p>
+          <a:p>
+            <a:pPr marL="457200" lvl="1" indent="0">
+              <a:buNone/>
+            </a:pPr>
+            <a:r>
+              <a:rPr lang="en-US" dirty="0" smtClean="0"/>
+              <a:t>In </a:t>
+            </a:r>
+            <a:r>
+              <a:rPr lang="en-US" dirty="0"/>
+              <a:t>this state, the switch listens and processes both BPDUs and user frames. It uses BPDUs to monitor the network topology. By reading the source address field of users’ frames it also builds and updates CAM table entries. This state is also referred as the convergence</a:t>
+            </a:r>
+            <a:r>
+              <a:rPr lang="en-US" dirty="0" smtClean="0"/>
+              <a:t>.</a:t>
+            </a:r>
+          </a:p>
+          <a:p>
+            <a:r>
+              <a:rPr lang="en-US" dirty="0"/>
+              <a:t>STP Disable state</a:t>
+            </a:r>
+          </a:p>
+          <a:p>
+            <a:pPr marL="457200" lvl="1" indent="0">
+              <a:buNone/>
+            </a:pPr>
+            <a:r>
+              <a:rPr lang="en-US" dirty="0"/>
+              <a:t>This state applies to all ports which are either manually shut down or removed from the STP by an administrator. All unplugged ports also remain in this state. Any port which belongs to this state does not participate in the STP operation.</a:t>
+            </a:r>
+          </a:p>
+          <a:p>
+            <a:pPr marL="457200" lvl="1" indent="0">
+              <a:buNone/>
+            </a:pPr>
             <a:endParaRPr lang="en-US" dirty="0"/>
           </a:p>
         </p:txBody>
@@ -7670,7 +8878,7 @@
     </p:spTree>
     <p:extLst>
       <p:ext uri="{BB962C8B-B14F-4D97-AF65-F5344CB8AC3E}">
-        <p14:creationId xmlns:p14="http://schemas.microsoft.com/office/powerpoint/2010/main" val="3522830779"/>
+        <p14:creationId xmlns:p14="http://schemas.microsoft.com/office/powerpoint/2010/main" val="3564749226"/>
       </p:ext>
     </p:extLst>
   </p:cSld>
@@ -7723,35 +8931,52 @@
           </a:p>
         </p:txBody>
       </p:sp>
-      <p:sp>
-        <p:nvSpPr>
-          <p:cNvPr id="3" name="Content Placeholder 2"/>
-          <p:cNvSpPr>
-            <a:spLocks noGrp="1"/>
-          </p:cNvSpPr>
+      <p:pic>
+        <p:nvPicPr>
+          <p:cNvPr id="15" name="Content Placeholder 14"/>
+          <p:cNvPicPr>
+            <a:picLocks noGrp="1" noChangeAspect="1"/>
+          </p:cNvPicPr>
           <p:nvPr>
             <p:ph idx="1"/>
           </p:nvPr>
-        </p:nvSpPr>
-        <p:spPr/>
-        <p:txBody>
-          <a:bodyPr/>
-          <a:lstStyle/>
-          <a:p>
-            <a:endParaRPr lang="en-US"/>
-          </a:p>
-        </p:txBody>
-      </p:sp>
+        </p:nvPicPr>
+        <p:blipFill>
+          <a:blip r:embed="rId2">
+            <a:extLst>
+              <a:ext uri="{28A0092B-C50C-407E-A947-70E740481C1C}">
+                <a14:useLocalDpi xmlns:a14="http://schemas.microsoft.com/office/drawing/2010/main" val="0"/>
+              </a:ext>
+            </a:extLst>
+          </a:blip>
+          <a:stretch>
+            <a:fillRect/>
+          </a:stretch>
+        </p:blipFill>
+        <p:spPr>
+          <a:xfrm>
+            <a:off x="838200" y="365125"/>
+            <a:ext cx="10515600" cy="6243493"/>
+          </a:xfrm>
+        </p:spPr>
+      </p:pic>
     </p:spTree>
     <p:extLst>
       <p:ext uri="{BB962C8B-B14F-4D97-AF65-F5344CB8AC3E}">
-        <p14:creationId xmlns:p14="http://schemas.microsoft.com/office/powerpoint/2010/main" val="3564749226"/>
+        <p14:creationId xmlns:p14="http://schemas.microsoft.com/office/powerpoint/2010/main" val="3784200158"/>
       </p:ext>
     </p:extLst>
   </p:cSld>
   <p:clrMapOvr>
     <a:masterClrMapping/>
   </p:clrMapOvr>
+  <p:timing>
+    <p:tnLst>
+      <p:par>
+        <p:cTn id="1" dur="indefinite" restart="never" nodeType="tmRoot"/>
+      </p:par>
+    </p:tnLst>
+  </p:timing>
 </p:sld>
 </file>
 
@@ -7853,13 +9078,17 @@
           <a:bodyPr/>
           <a:lstStyle/>
           <a:p>
-            <a:endParaRPr lang="en-US"/>
-          </a:p>
-        </p:txBody>
-      </p:sp>
-      <p:sp>
-        <p:nvSpPr>
-          <p:cNvPr id="3" name="Content Placeholder 2"/>
+            <a:r>
+              <a:rPr lang="en-US" dirty="0" smtClean="0"/>
+              <a:t>Different in physical and logical after STP</a:t>
+            </a:r>
+            <a:endParaRPr lang="en-US" dirty="0"/>
+          </a:p>
+        </p:txBody>
+      </p:sp>
+      <p:sp>
+        <p:nvSpPr>
+          <p:cNvPr id="5" name="Content Placeholder 4"/>
           <p:cNvSpPr>
             <a:spLocks noGrp="1"/>
           </p:cNvSpPr>
@@ -7872,20 +9101,27 @@
           <a:bodyPr/>
           <a:lstStyle/>
           <a:p>
-            <a:endParaRPr lang="en-US"/>
+            <a:endParaRPr lang="en-US" dirty="0"/>
           </a:p>
         </p:txBody>
       </p:sp>
     </p:spTree>
     <p:extLst>
       <p:ext uri="{BB962C8B-B14F-4D97-AF65-F5344CB8AC3E}">
-        <p14:creationId xmlns:p14="http://schemas.microsoft.com/office/powerpoint/2010/main" val="3784200158"/>
+        <p14:creationId xmlns:p14="http://schemas.microsoft.com/office/powerpoint/2010/main" val="3522830779"/>
       </p:ext>
     </p:extLst>
   </p:cSld>
   <p:clrMapOvr>
     <a:masterClrMapping/>
   </p:clrMapOvr>
+  <p:timing>
+    <p:tnLst>
+      <p:par>
+        <p:cTn id="1" dur="indefinite" restart="never" nodeType="tmRoot"/>
+      </p:par>
+    </p:tnLst>
+  </p:timing>
 </p:sld>
 </file>
 
@@ -8961,4 +10197,265 @@
     </a:ext>
   </a:extLst>
 </a:theme>
+</file>
+
+<file path=ppt/theme/theme2.xml><?xml version="1.0" encoding="utf-8"?>
+<a:theme xmlns:a="http://schemas.openxmlformats.org/drawingml/2006/main" name="Office Theme">
+  <a:themeElements>
+    <a:clrScheme name="Office">
+      <a:dk1>
+        <a:sysClr val="windowText" lastClr="000000"/>
+      </a:dk1>
+      <a:lt1>
+        <a:sysClr val="window" lastClr="FFFFFF"/>
+      </a:lt1>
+      <a:dk2>
+        <a:srgbClr val="44546A"/>
+      </a:dk2>
+      <a:lt2>
+        <a:srgbClr val="E7E6E6"/>
+      </a:lt2>
+      <a:accent1>
+        <a:srgbClr val="5B9BD5"/>
+      </a:accent1>
+      <a:accent2>
+        <a:srgbClr val="ED7D31"/>
+      </a:accent2>
+      <a:accent3>
+        <a:srgbClr val="A5A5A5"/>
+      </a:accent3>
+      <a:accent4>
+        <a:srgbClr val="FFC000"/>
+      </a:accent4>
+      <a:accent5>
+        <a:srgbClr val="4472C4"/>
+      </a:accent5>
+      <a:accent6>
+        <a:srgbClr val="70AD47"/>
+      </a:accent6>
+      <a:hlink>
+        <a:srgbClr val="0563C1"/>
+      </a:hlink>
+      <a:folHlink>
+        <a:srgbClr val="954F72"/>
+      </a:folHlink>
+    </a:clrScheme>
+    <a:fontScheme name="Office">
+      <a:majorFont>
+        <a:latin typeface="Calibri Light" panose="020F0302020204030204"/>
+        <a:ea typeface=""/>
+        <a:cs typeface=""/>
+        <a:font script="Jpan" typeface="游ゴシック Light"/>
+        <a:font script="Hang" typeface="맑은 고딕"/>
+        <a:font script="Hans" typeface="等线 Light"/>
+        <a:font script="Hant" typeface="新細明體"/>
+        <a:font script="Arab" typeface="Times New Roman"/>
+        <a:font script="Hebr" typeface="Times New Roman"/>
+        <a:font script="Thai" typeface="Angsana New"/>
+        <a:font script="Ethi" typeface="Nyala"/>
+        <a:font script="Beng" typeface="Vrinda"/>
+        <a:font script="Gujr" typeface="Shruti"/>
+        <a:font script="Khmr" typeface="MoolBoran"/>
+        <a:font script="Knda" typeface="Tunga"/>
+        <a:font script="Guru" typeface="Raavi"/>
+        <a:font script="Cans" typeface="Euphemia"/>
+        <a:font script="Cher" typeface="Plantagenet Cherokee"/>
+        <a:font script="Yiii" typeface="Microsoft Yi Baiti"/>
+        <a:font script="Tibt" typeface="Microsoft Himalaya"/>
+        <a:font script="Thaa" typeface="MV Boli"/>
+        <a:font script="Deva" typeface="Mangal"/>
+        <a:font script="Telu" typeface="Gautami"/>
+        <a:font script="Taml" typeface="Latha"/>
+        <a:font script="Syrc" typeface="Estrangelo Edessa"/>
+        <a:font script="Orya" typeface="Kalinga"/>
+        <a:font script="Mlym" typeface="Kartika"/>
+        <a:font script="Laoo" typeface="DokChampa"/>
+        <a:font script="Sinh" typeface="Iskoola Pota"/>
+        <a:font script="Mong" typeface="Mongolian Baiti"/>
+        <a:font script="Viet" typeface="Times New Roman"/>
+        <a:font script="Uigh" typeface="Microsoft Uighur"/>
+        <a:font script="Geor" typeface="Sylfaen"/>
+      </a:majorFont>
+      <a:minorFont>
+        <a:latin typeface="Calibri" panose="020F0502020204030204"/>
+        <a:ea typeface=""/>
+        <a:cs typeface=""/>
+        <a:font script="Jpan" typeface="游ゴシック"/>
+        <a:font script="Hang" typeface="맑은 고딕"/>
+        <a:font script="Hans" typeface="等线"/>
+        <a:font script="Hant" typeface="新細明體"/>
+        <a:font script="Arab" typeface="Arial"/>
+        <a:font script="Hebr" typeface="Arial"/>
+        <a:font script="Thai" typeface="Cordia New"/>
+        <a:font script="Ethi" typeface="Nyala"/>
+        <a:font script="Beng" typeface="Vrinda"/>
+        <a:font script="Gujr" typeface="Shruti"/>
+        <a:font script="Khmr" typeface="DaunPenh"/>
+        <a:font script="Knda" typeface="Tunga"/>
+        <a:font script="Guru" typeface="Raavi"/>
+        <a:font script="Cans" typeface="Euphemia"/>
+        <a:font script="Cher" typeface="Plantagenet Cherokee"/>
+        <a:font script="Yiii" typeface="Microsoft Yi Baiti"/>
+        <a:font script="Tibt" typeface="Microsoft Himalaya"/>
+        <a:font script="Thaa" typeface="MV Boli"/>
+        <a:font script="Deva" typeface="Mangal"/>
+        <a:font script="Telu" typeface="Gautami"/>
+        <a:font script="Taml" typeface="Latha"/>
+        <a:font script="Syrc" typeface="Estrangelo Edessa"/>
+        <a:font script="Orya" typeface="Kalinga"/>
+        <a:font script="Mlym" typeface="Kartika"/>
+        <a:font script="Laoo" typeface="DokChampa"/>
+        <a:font script="Sinh" typeface="Iskoola Pota"/>
+        <a:font script="Mong" typeface="Mongolian Baiti"/>
+        <a:font script="Viet" typeface="Arial"/>
+        <a:font script="Uigh" typeface="Microsoft Uighur"/>
+        <a:font script="Geor" typeface="Sylfaen"/>
+      </a:minorFont>
+    </a:fontScheme>
+    <a:fmtScheme name="Office">
+      <a:fillStyleLst>
+        <a:solidFill>
+          <a:schemeClr val="phClr"/>
+        </a:solidFill>
+        <a:gradFill rotWithShape="1">
+          <a:gsLst>
+            <a:gs pos="0">
+              <a:schemeClr val="phClr">
+                <a:lumMod val="110000"/>
+                <a:satMod val="105000"/>
+                <a:tint val="67000"/>
+              </a:schemeClr>
+            </a:gs>
+            <a:gs pos="50000">
+              <a:schemeClr val="phClr">
+                <a:lumMod val="105000"/>
+                <a:satMod val="103000"/>
+                <a:tint val="73000"/>
+              </a:schemeClr>
+            </a:gs>
+            <a:gs pos="100000">
+              <a:schemeClr val="phClr">
+                <a:lumMod val="105000"/>
+                <a:satMod val="109000"/>
+                <a:tint val="81000"/>
+              </a:schemeClr>
+            </a:gs>
+          </a:gsLst>
+          <a:lin ang="5400000" scaled="0"/>
+        </a:gradFill>
+        <a:gradFill rotWithShape="1">
+          <a:gsLst>
+            <a:gs pos="0">
+              <a:schemeClr val="phClr">
+                <a:satMod val="103000"/>
+                <a:lumMod val="102000"/>
+                <a:tint val="94000"/>
+              </a:schemeClr>
+            </a:gs>
+            <a:gs pos="50000">
+              <a:schemeClr val="phClr">
+                <a:satMod val="110000"/>
+                <a:lumMod val="100000"/>
+                <a:shade val="100000"/>
+              </a:schemeClr>
+            </a:gs>
+            <a:gs pos="100000">
+              <a:schemeClr val="phClr">
+                <a:lumMod val="99000"/>
+                <a:satMod val="120000"/>
+                <a:shade val="78000"/>
+              </a:schemeClr>
+            </a:gs>
+          </a:gsLst>
+          <a:lin ang="5400000" scaled="0"/>
+        </a:gradFill>
+      </a:fillStyleLst>
+      <a:lnStyleLst>
+        <a:ln w="6350" cap="flat" cmpd="sng" algn="ctr">
+          <a:solidFill>
+            <a:schemeClr val="phClr"/>
+          </a:solidFill>
+          <a:prstDash val="solid"/>
+          <a:miter lim="800000"/>
+        </a:ln>
+        <a:ln w="12700" cap="flat" cmpd="sng" algn="ctr">
+          <a:solidFill>
+            <a:schemeClr val="phClr"/>
+          </a:solidFill>
+          <a:prstDash val="solid"/>
+          <a:miter lim="800000"/>
+        </a:ln>
+        <a:ln w="19050" cap="flat" cmpd="sng" algn="ctr">
+          <a:solidFill>
+            <a:schemeClr val="phClr"/>
+          </a:solidFill>
+          <a:prstDash val="solid"/>
+          <a:miter lim="800000"/>
+        </a:ln>
+      </a:lnStyleLst>
+      <a:effectStyleLst>
+        <a:effectStyle>
+          <a:effectLst/>
+        </a:effectStyle>
+        <a:effectStyle>
+          <a:effectLst/>
+        </a:effectStyle>
+        <a:effectStyle>
+          <a:effectLst>
+            <a:outerShdw blurRad="57150" dist="19050" dir="5400000" algn="ctr" rotWithShape="0">
+              <a:srgbClr val="000000">
+                <a:alpha val="63000"/>
+              </a:srgbClr>
+            </a:outerShdw>
+          </a:effectLst>
+        </a:effectStyle>
+      </a:effectStyleLst>
+      <a:bgFillStyleLst>
+        <a:solidFill>
+          <a:schemeClr val="phClr"/>
+        </a:solidFill>
+        <a:solidFill>
+          <a:schemeClr val="phClr">
+            <a:tint val="95000"/>
+            <a:satMod val="170000"/>
+          </a:schemeClr>
+        </a:solidFill>
+        <a:gradFill rotWithShape="1">
+          <a:gsLst>
+            <a:gs pos="0">
+              <a:schemeClr val="phClr">
+                <a:tint val="93000"/>
+                <a:satMod val="150000"/>
+                <a:shade val="98000"/>
+                <a:lumMod val="102000"/>
+              </a:schemeClr>
+            </a:gs>
+            <a:gs pos="50000">
+              <a:schemeClr val="phClr">
+                <a:tint val="98000"/>
+                <a:satMod val="130000"/>
+                <a:shade val="90000"/>
+                <a:lumMod val="103000"/>
+              </a:schemeClr>
+            </a:gs>
+            <a:gs pos="100000">
+              <a:schemeClr val="phClr">
+                <a:shade val="63000"/>
+                <a:satMod val="120000"/>
+              </a:schemeClr>
+            </a:gs>
+          </a:gsLst>
+          <a:lin ang="5400000" scaled="0"/>
+        </a:gradFill>
+      </a:bgFillStyleLst>
+    </a:fmtScheme>
+  </a:themeElements>
+  <a:objectDefaults/>
+  <a:extraClrSchemeLst/>
+  <a:extLst>
+    <a:ext uri="{05A4C25C-085E-4340-85A3-A5531E510DB2}">
+      <thm15:themeFamily xmlns:thm15="http://schemas.microsoft.com/office/thememl/2012/main" name="Office Theme" id="{62F939B6-93AF-4DB8-9C6B-D6C7DFDC589F}" vid="{4A3C46E8-61CC-4603-A589-7422A47A8E4A}"/>
+    </a:ext>
+  </a:extLst>
+</a:theme>
 </file>